--- a/3-16_LLE.pptx
+++ b/3-16_LLE.pptx
@@ -112,6 +112,11 @@
       </a:defRPr>
     </a:lvl9pPr>
   </p:defaultTextStyle>
+  <p:extLst>
+    <p:ext uri="{EFAFB233-063F-42B5-8137-9DF3F51BA10A}">
+      <p15:sldGuideLst xmlns:p15="http://schemas.microsoft.com/office/powerpoint/2012/main"/>
+    </p:ext>
+  </p:extLst>
 </p:presentation>
 </file>
 
@@ -262,7 +267,7 @@
           <a:p>
             <a:fld id="{1AC7DBD6-C13B-417E-8330-F3B8993C078A}" type="datetimeFigureOut">
               <a:rPr lang="ko-KR" altLang="en-US" smtClean="0"/>
-              <a:t>2022-04-10</a:t>
+              <a:t>2022-04-12</a:t>
             </a:fld>
             <a:endParaRPr lang="ko-KR" altLang="en-US"/>
           </a:p>
@@ -460,7 +465,7 @@
           <a:p>
             <a:fld id="{1AC7DBD6-C13B-417E-8330-F3B8993C078A}" type="datetimeFigureOut">
               <a:rPr lang="ko-KR" altLang="en-US" smtClean="0"/>
-              <a:t>2022-04-10</a:t>
+              <a:t>2022-04-12</a:t>
             </a:fld>
             <a:endParaRPr lang="ko-KR" altLang="en-US"/>
           </a:p>
@@ -668,7 +673,7 @@
           <a:p>
             <a:fld id="{1AC7DBD6-C13B-417E-8330-F3B8993C078A}" type="datetimeFigureOut">
               <a:rPr lang="ko-KR" altLang="en-US" smtClean="0"/>
-              <a:t>2022-04-10</a:t>
+              <a:t>2022-04-12</a:t>
             </a:fld>
             <a:endParaRPr lang="ko-KR" altLang="en-US"/>
           </a:p>
@@ -866,7 +871,7 @@
           <a:p>
             <a:fld id="{1AC7DBD6-C13B-417E-8330-F3B8993C078A}" type="datetimeFigureOut">
               <a:rPr lang="ko-KR" altLang="en-US" smtClean="0"/>
-              <a:t>2022-04-10</a:t>
+              <a:t>2022-04-12</a:t>
             </a:fld>
             <a:endParaRPr lang="ko-KR" altLang="en-US"/>
           </a:p>
@@ -1141,7 +1146,7 @@
           <a:p>
             <a:fld id="{1AC7DBD6-C13B-417E-8330-F3B8993C078A}" type="datetimeFigureOut">
               <a:rPr lang="ko-KR" altLang="en-US" smtClean="0"/>
-              <a:t>2022-04-10</a:t>
+              <a:t>2022-04-12</a:t>
             </a:fld>
             <a:endParaRPr lang="ko-KR" altLang="en-US"/>
           </a:p>
@@ -1406,7 +1411,7 @@
           <a:p>
             <a:fld id="{1AC7DBD6-C13B-417E-8330-F3B8993C078A}" type="datetimeFigureOut">
               <a:rPr lang="ko-KR" altLang="en-US" smtClean="0"/>
-              <a:t>2022-04-10</a:t>
+              <a:t>2022-04-12</a:t>
             </a:fld>
             <a:endParaRPr lang="ko-KR" altLang="en-US"/>
           </a:p>
@@ -1818,7 +1823,7 @@
           <a:p>
             <a:fld id="{1AC7DBD6-C13B-417E-8330-F3B8993C078A}" type="datetimeFigureOut">
               <a:rPr lang="ko-KR" altLang="en-US" smtClean="0"/>
-              <a:t>2022-04-10</a:t>
+              <a:t>2022-04-12</a:t>
             </a:fld>
             <a:endParaRPr lang="ko-KR" altLang="en-US"/>
           </a:p>
@@ -1959,7 +1964,7 @@
           <a:p>
             <a:fld id="{1AC7DBD6-C13B-417E-8330-F3B8993C078A}" type="datetimeFigureOut">
               <a:rPr lang="ko-KR" altLang="en-US" smtClean="0"/>
-              <a:t>2022-04-10</a:t>
+              <a:t>2022-04-12</a:t>
             </a:fld>
             <a:endParaRPr lang="ko-KR" altLang="en-US"/>
           </a:p>
@@ -2072,7 +2077,7 @@
           <a:p>
             <a:fld id="{1AC7DBD6-C13B-417E-8330-F3B8993C078A}" type="datetimeFigureOut">
               <a:rPr lang="ko-KR" altLang="en-US" smtClean="0"/>
-              <a:t>2022-04-10</a:t>
+              <a:t>2022-04-12</a:t>
             </a:fld>
             <a:endParaRPr lang="ko-KR" altLang="en-US"/>
           </a:p>
@@ -2383,7 +2388,7 @@
           <a:p>
             <a:fld id="{1AC7DBD6-C13B-417E-8330-F3B8993C078A}" type="datetimeFigureOut">
               <a:rPr lang="ko-KR" altLang="en-US" smtClean="0"/>
-              <a:t>2022-04-10</a:t>
+              <a:t>2022-04-12</a:t>
             </a:fld>
             <a:endParaRPr lang="ko-KR" altLang="en-US"/>
           </a:p>
@@ -2671,7 +2676,7 @@
           <a:p>
             <a:fld id="{1AC7DBD6-C13B-417E-8330-F3B8993C078A}" type="datetimeFigureOut">
               <a:rPr lang="ko-KR" altLang="en-US" smtClean="0"/>
-              <a:t>2022-04-10</a:t>
+              <a:t>2022-04-12</a:t>
             </a:fld>
             <a:endParaRPr lang="ko-KR" altLang="en-US"/>
           </a:p>
@@ -2912,7 +2917,7 @@
           <a:p>
             <a:fld id="{1AC7DBD6-C13B-417E-8330-F3B8993C078A}" type="datetimeFigureOut">
               <a:rPr lang="ko-KR" altLang="en-US" smtClean="0"/>
-              <a:t>2022-04-10</a:t>
+              <a:t>2022-04-12</a:t>
             </a:fld>
             <a:endParaRPr lang="ko-KR" altLang="en-US"/>
           </a:p>
@@ -3423,6 +3428,52 @@
           </a:prstGeom>
         </p:spPr>
       </p:pic>
+      <p:sp>
+        <p:nvSpPr>
+          <p:cNvPr id="5" name="TextBox 4">
+            <a:extLst>
+              <a:ext uri="{FF2B5EF4-FFF2-40B4-BE49-F238E27FC236}">
+                <a16:creationId xmlns:a16="http://schemas.microsoft.com/office/drawing/2014/main" id="{16000AFD-8775-421D-9052-0757397E4147}"/>
+              </a:ext>
+            </a:extLst>
+          </p:cNvPr>
+          <p:cNvSpPr txBox="1"/>
+          <p:nvPr/>
+        </p:nvSpPr>
+        <p:spPr>
+          <a:xfrm>
+            <a:off x="0" y="6211669"/>
+            <a:ext cx="2805576" cy="646331"/>
+          </a:xfrm>
+          <a:prstGeom prst="rect">
+            <a:avLst/>
+          </a:prstGeom>
+          <a:noFill/>
+        </p:spPr>
+        <p:txBody>
+          <a:bodyPr wrap="none" rtlCol="0">
+            <a:spAutoFit/>
+          </a:bodyPr>
+          <a:lstStyle/>
+          <a:p>
+            <a:r>
+              <a:rPr lang="ko-KR" altLang="en-US" dirty="0"/>
+              <a:t>경희대학교 컴퓨터공학과</a:t>
+            </a:r>
+            <a:endParaRPr lang="en-US" altLang="ko-KR" dirty="0"/>
+          </a:p>
+          <a:p>
+            <a:r>
+              <a:rPr lang="en-US" altLang="ko-KR" dirty="0"/>
+              <a:t>2019102191 </a:t>
+            </a:r>
+            <a:r>
+              <a:rPr lang="ko-KR" altLang="en-US" dirty="0"/>
+              <a:t>신주영</a:t>
+            </a:r>
+          </a:p>
+        </p:txBody>
+      </p:sp>
     </p:spTree>
     <p:extLst>
       <p:ext uri="{BB962C8B-B14F-4D97-AF65-F5344CB8AC3E}">
@@ -4135,8 +4186,8 @@
           </a:p>
         </p:txBody>
       </p:sp>
-      <mc:AlternateContent xmlns:mc="http://schemas.openxmlformats.org/markup-compatibility/2006">
-        <mc:Choice xmlns:a14="http://schemas.microsoft.com/office/drawing/2010/main" Requires="a14">
+      <mc:AlternateContent xmlns:mc="http://schemas.openxmlformats.org/markup-compatibility/2006" xmlns:a14="http://schemas.microsoft.com/office/drawing/2010/main">
+        <mc:Choice Requires="a14">
           <p:sp>
             <p:nvSpPr>
               <p:cNvPr id="3" name="내용 개체 틀 2">
@@ -5530,7 +5581,7 @@
             </p:txBody>
           </p:sp>
         </mc:Choice>
-        <mc:Fallback>
+        <mc:Fallback xmlns="">
           <p:sp>
             <p:nvSpPr>
               <p:cNvPr id="3" name="내용 개체 틀 2">
@@ -5768,8 +5819,8 @@
           </a:prstGeom>
         </p:spPr>
       </p:pic>
-      <mc:AlternateContent xmlns:mc="http://schemas.openxmlformats.org/markup-compatibility/2006">
-        <mc:Choice xmlns:a14="http://schemas.microsoft.com/office/drawing/2010/main" Requires="a14">
+      <mc:AlternateContent xmlns:mc="http://schemas.openxmlformats.org/markup-compatibility/2006" xmlns:a14="http://schemas.microsoft.com/office/drawing/2010/main">
+        <mc:Choice Requires="a14">
           <p:sp>
             <p:nvSpPr>
               <p:cNvPr id="5" name="TextBox 4">
@@ -5798,6 +5849,7 @@
               </a:bodyPr>
               <a:lstStyle/>
               <a:p>
+                <a:pPr/>
                 <a14:m>
                   <m:oMathPara xmlns:m="http://schemas.openxmlformats.org/officeDocument/2006/math">
                     <m:oMathParaPr>
@@ -6063,7 +6115,7 @@
             </p:txBody>
           </p:sp>
         </mc:Choice>
-        <mc:Fallback>
+        <mc:Fallback xmlns="">
           <p:sp>
             <p:nvSpPr>
               <p:cNvPr id="5" name="TextBox 4">
@@ -6108,8 +6160,8 @@
           </p:sp>
         </mc:Fallback>
       </mc:AlternateContent>
-      <mc:AlternateContent xmlns:mc="http://schemas.openxmlformats.org/markup-compatibility/2006">
-        <mc:Choice xmlns:a14="http://schemas.microsoft.com/office/drawing/2010/main" Requires="a14">
+      <mc:AlternateContent xmlns:mc="http://schemas.openxmlformats.org/markup-compatibility/2006" xmlns:a14="http://schemas.microsoft.com/office/drawing/2010/main">
+        <mc:Choice Requires="a14">
           <p:sp>
             <p:nvSpPr>
               <p:cNvPr id="6" name="TextBox 5">
@@ -6595,7 +6647,7 @@
             </p:txBody>
           </p:sp>
         </mc:Choice>
-        <mc:Fallback>
+        <mc:Fallback xmlns="">
           <p:sp>
             <p:nvSpPr>
               <p:cNvPr id="6" name="TextBox 5">
@@ -6795,8 +6847,8 @@
           </a:prstGeom>
         </p:spPr>
       </p:pic>
-      <mc:AlternateContent xmlns:mc="http://schemas.openxmlformats.org/markup-compatibility/2006">
-        <mc:Choice xmlns:a14="http://schemas.microsoft.com/office/drawing/2010/main" Requires="a14">
+      <mc:AlternateContent xmlns:mc="http://schemas.openxmlformats.org/markup-compatibility/2006" xmlns:a14="http://schemas.microsoft.com/office/drawing/2010/main">
+        <mc:Choice Requires="a14">
           <p:sp>
             <p:nvSpPr>
               <p:cNvPr id="7" name="TextBox 6">
@@ -6825,6 +6877,7 @@
               </a:bodyPr>
               <a:lstStyle/>
               <a:p>
+                <a:pPr/>
                 <a14:m>
                   <m:oMathPara xmlns:m="http://schemas.openxmlformats.org/officeDocument/2006/math">
                     <m:oMathParaPr>
@@ -7090,7 +7143,7 @@
             </p:txBody>
           </p:sp>
         </mc:Choice>
-        <mc:Fallback>
+        <mc:Fallback xmlns="">
           <p:sp>
             <p:nvSpPr>
               <p:cNvPr id="7" name="TextBox 6">
